--- a/src/memoria.ipnb/EDA POWERLIFTING.pptx
+++ b/src/memoria.ipnb/EDA POWERLIFTING.pptx
@@ -823,7 +823,7 @@
           <a:p>
             <a:fld id="{FA76BC79-434E-4C6F-B62D-37121484B70D}" type="datetimeFigureOut">
               <a:rPr lang="es-ES" smtClean="0"/>
-              <a:t>12/01/2024</a:t>
+              <a:t>13/01/2024</a:t>
             </a:fld>
             <a:endParaRPr lang="es-ES"/>
           </a:p>
@@ -993,7 +993,7 @@
           <a:p>
             <a:fld id="{FA76BC79-434E-4C6F-B62D-37121484B70D}" type="datetimeFigureOut">
               <a:rPr lang="es-ES" smtClean="0"/>
-              <a:t>12/01/2024</a:t>
+              <a:t>13/01/2024</a:t>
             </a:fld>
             <a:endParaRPr lang="es-ES"/>
           </a:p>
@@ -1173,7 +1173,7 @@
           <a:p>
             <a:fld id="{FA76BC79-434E-4C6F-B62D-37121484B70D}" type="datetimeFigureOut">
               <a:rPr lang="es-ES" smtClean="0"/>
-              <a:t>12/01/2024</a:t>
+              <a:t>13/01/2024</a:t>
             </a:fld>
             <a:endParaRPr lang="es-ES"/>
           </a:p>
@@ -1343,7 +1343,7 @@
           <a:p>
             <a:fld id="{FA76BC79-434E-4C6F-B62D-37121484B70D}" type="datetimeFigureOut">
               <a:rPr lang="es-ES" smtClean="0"/>
-              <a:t>12/01/2024</a:t>
+              <a:t>13/01/2024</a:t>
             </a:fld>
             <a:endParaRPr lang="es-ES"/>
           </a:p>
@@ -1589,7 +1589,7 @@
           <a:p>
             <a:fld id="{FA76BC79-434E-4C6F-B62D-37121484B70D}" type="datetimeFigureOut">
               <a:rPr lang="es-ES" smtClean="0"/>
-              <a:t>12/01/2024</a:t>
+              <a:t>13/01/2024</a:t>
             </a:fld>
             <a:endParaRPr lang="es-ES"/>
           </a:p>
@@ -1821,7 +1821,7 @@
           <a:p>
             <a:fld id="{FA76BC79-434E-4C6F-B62D-37121484B70D}" type="datetimeFigureOut">
               <a:rPr lang="es-ES" smtClean="0"/>
-              <a:t>12/01/2024</a:t>
+              <a:t>13/01/2024</a:t>
             </a:fld>
             <a:endParaRPr lang="es-ES"/>
           </a:p>
@@ -2188,7 +2188,7 @@
           <a:p>
             <a:fld id="{FA76BC79-434E-4C6F-B62D-37121484B70D}" type="datetimeFigureOut">
               <a:rPr lang="es-ES" smtClean="0"/>
-              <a:t>12/01/2024</a:t>
+              <a:t>13/01/2024</a:t>
             </a:fld>
             <a:endParaRPr lang="es-ES"/>
           </a:p>
@@ -2306,7 +2306,7 @@
           <a:p>
             <a:fld id="{FA76BC79-434E-4C6F-B62D-37121484B70D}" type="datetimeFigureOut">
               <a:rPr lang="es-ES" smtClean="0"/>
-              <a:t>12/01/2024</a:t>
+              <a:t>13/01/2024</a:t>
             </a:fld>
             <a:endParaRPr lang="es-ES"/>
           </a:p>
@@ -2401,7 +2401,7 @@
           <a:p>
             <a:fld id="{FA76BC79-434E-4C6F-B62D-37121484B70D}" type="datetimeFigureOut">
               <a:rPr lang="es-ES" smtClean="0"/>
-              <a:t>12/01/2024</a:t>
+              <a:t>13/01/2024</a:t>
             </a:fld>
             <a:endParaRPr lang="es-ES"/>
           </a:p>
@@ -2678,7 +2678,7 @@
           <a:p>
             <a:fld id="{FA76BC79-434E-4C6F-B62D-37121484B70D}" type="datetimeFigureOut">
               <a:rPr lang="es-ES" smtClean="0"/>
-              <a:t>12/01/2024</a:t>
+              <a:t>13/01/2024</a:t>
             </a:fld>
             <a:endParaRPr lang="es-ES"/>
           </a:p>
@@ -2935,7 +2935,7 @@
           <a:p>
             <a:fld id="{FA76BC79-434E-4C6F-B62D-37121484B70D}" type="datetimeFigureOut">
               <a:rPr lang="es-ES" smtClean="0"/>
-              <a:t>12/01/2024</a:t>
+              <a:t>13/01/2024</a:t>
             </a:fld>
             <a:endParaRPr lang="es-ES"/>
           </a:p>
@@ -3148,7 +3148,7 @@
           <a:p>
             <a:fld id="{FA76BC79-434E-4C6F-B62D-37121484B70D}" type="datetimeFigureOut">
               <a:rPr lang="es-ES" smtClean="0"/>
-              <a:t>12/01/2024</a:t>
+              <a:t>13/01/2024</a:t>
             </a:fld>
             <a:endParaRPr lang="es-ES"/>
           </a:p>
@@ -3631,7 +3631,7 @@
             </a:extLst>
           </p:cNvPr>
           <p:cNvSpPr>
-            <a:spLocks/>
+            <a:spLocks noGrp="1"/>
           </p:cNvSpPr>
           <p:nvPr>
             <p:ph type="subTitle" idx="1"/>
@@ -3675,7 +3675,7 @@
         </p:blipFill>
         <p:spPr>
           <a:xfrm>
-            <a:off x="3276587" y="1749276"/>
+            <a:off x="3276587" y="1535631"/>
             <a:ext cx="5638826" cy="4754848"/>
           </a:xfrm>
           <a:prstGeom prst="rect">
@@ -4387,7 +4387,7 @@
               <a:t>n </a:t>
             </a:r>
             <a:r>
-              <a:rPr lang="es-ES" sz="2200" dirty="0" err="1">
+              <a:rPr lang="es-ES" sz="2200" dirty="0">
                 <a:latin typeface="Söhne"/>
               </a:rPr>
               <a:t>Goodlifts</a:t>
@@ -4854,16 +4854,12 @@
           <a:p>
             <a:pPr algn="ctr"/>
             <a:r>
-              <a:rPr lang="es-ES" dirty="0" err="1">
+              <a:rPr lang="es-ES" dirty="0">
                 <a:latin typeface="Aharoni" panose="02010803020104030203" pitchFamily="2" charset="-79"/>
                 <a:cs typeface="Aharoni" panose="02010803020104030203" pitchFamily="2" charset="-79"/>
               </a:rPr>
               <a:t>Goodlifts</a:t>
             </a:r>
-            <a:endParaRPr lang="es-ES" dirty="0">
-              <a:latin typeface="Aharoni" panose="02010803020104030203" pitchFamily="2" charset="-79"/>
-              <a:cs typeface="Aharoni" panose="02010803020104030203" pitchFamily="2" charset="-79"/>
-            </a:endParaRPr>
           </a:p>
         </p:txBody>
       </p:sp>
@@ -4903,7 +4899,17 @@
               <a:rPr lang="es-ES" sz="2200" b="0" i="0" dirty="0">
                 <a:effectLst/>
               </a:rPr>
-              <a:t>es una fórmula utilizada en el powerlifting para comparar el rendimiento entre levantadores de diferentes pesos corporales, es más justa que los </a:t>
+              <a:t>es una fórmula utilizada en el powerlifting para comparar el rendimiento entre levantadores de diferentes pesos corporales. </a:t>
+            </a:r>
+            <a:r>
+              <a:rPr lang="es-ES" sz="2200" dirty="0"/>
+              <a:t>E</a:t>
+            </a:r>
+            <a:r>
+              <a:rPr lang="es-ES" sz="2200" b="0" i="0" dirty="0">
+                <a:effectLst/>
+              </a:rPr>
+              <a:t>s más justa que los </a:t>
             </a:r>
             <a:r>
               <a:rPr lang="es-ES" sz="2200" b="0" i="0" dirty="0" err="1">
@@ -4924,19 +4930,7 @@
               <a:rPr lang="es-ES" sz="2200" b="0" i="0" dirty="0">
                 <a:effectLst/>
               </a:rPr>
-              <a:t>La fórmula general del coeficiente de </a:t>
-            </a:r>
-            <a:r>
-              <a:rPr lang="es-ES" sz="2200" b="0" i="0" dirty="0" err="1">
-                <a:effectLst/>
-              </a:rPr>
-              <a:t>goodlifts</a:t>
-            </a:r>
-            <a:r>
-              <a:rPr lang="es-ES" sz="2200" b="0" i="0" dirty="0">
-                <a:effectLst/>
-              </a:rPr>
-              <a:t> es la siguiente:</a:t>
+              <a:t>La fórmula general del coeficiente de goodlifts es la siguiente:</a:t>
             </a:r>
           </a:p>
           <a:p>
@@ -5499,7 +5493,7 @@
                 <a:latin typeface="Aharoni" panose="02010803020104030203" pitchFamily="2" charset="-79"/>
                 <a:cs typeface="Aharoni" panose="02010803020104030203" pitchFamily="2" charset="-79"/>
               </a:rPr>
-              <a:t>¿Qué vamos a ver en este EDA?</a:t>
+              <a:t>¿Qué vamos a analizar?</a:t>
             </a:r>
           </a:p>
         </p:txBody>
@@ -5531,19 +5525,7 @@
               <a:rPr lang="es-ES" sz="2200" b="0" dirty="0">
                 <a:effectLst/>
               </a:rPr>
-              <a:t>El que tiene más puntuación en </a:t>
-            </a:r>
-            <a:r>
-              <a:rPr lang="es-ES" sz="2200" b="0" dirty="0" err="1">
-                <a:effectLst/>
-              </a:rPr>
-              <a:t>Goodlifts</a:t>
-            </a:r>
-            <a:r>
-              <a:rPr lang="es-ES" sz="2200" b="0" dirty="0">
-                <a:effectLst/>
-              </a:rPr>
-              <a:t>, no es necesariamente el más fuerte en todas las marcas.</a:t>
+              <a:t>El que tiene más puntuación en Goodlifts, no es necesariamente el más fuerte en todas las marcas.</a:t>
             </a:r>
           </a:p>
           <a:p>
@@ -5557,7 +5539,20 @@
                 <a:effectLst/>
                 <a:cs typeface="Calibri" panose="020F0502020204030204" pitchFamily="34" charset="0"/>
               </a:rPr>
-              <a:t>¿Hay una mejora en marcas a medida que los atletas son más mayores? ¿A medida que pasan los años, los jóvenes destacan más con sus marcas?</a:t>
+              <a:t>¿Hay una mejora </a:t>
+            </a:r>
+            <a:r>
+              <a:rPr lang="es-ES" sz="2200" dirty="0">
+                <a:cs typeface="Calibri" panose="020F0502020204030204" pitchFamily="34" charset="0"/>
+              </a:rPr>
+              <a:t>de fuerza </a:t>
+            </a:r>
+            <a:r>
+              <a:rPr lang="es-ES" sz="2200" b="0" dirty="0">
+                <a:effectLst/>
+                <a:cs typeface="Calibri" panose="020F0502020204030204" pitchFamily="34" charset="0"/>
+              </a:rPr>
+              <a:t>a medida que los atletas son más mayores? ¿A medida que pasan los años, los jóvenes destacan más con sus marcas?</a:t>
             </a:r>
           </a:p>
           <a:p>
@@ -5687,19 +5682,7 @@
               <a:rPr lang="es-ES" b="0" dirty="0">
                 <a:effectLst/>
               </a:rPr>
-              <a:t>El que tiene más puntuación en </a:t>
-            </a:r>
-            <a:r>
-              <a:rPr lang="es-ES" b="0" dirty="0" err="1">
-                <a:effectLst/>
-              </a:rPr>
-              <a:t>Goodlifts</a:t>
-            </a:r>
-            <a:r>
-              <a:rPr lang="es-ES" b="0" dirty="0">
-                <a:effectLst/>
-              </a:rPr>
-              <a:t>, no es necesariamente el más fuerte en todas las marcas.</a:t>
+              <a:t>El que tiene más puntuación en Goodlifts, no es necesariamente el más fuerte en todas las marcas.</a:t>
             </a:r>
             <a:br>
               <a:rPr lang="es-ES" b="0" dirty="0">
@@ -5740,15 +5723,7 @@
           <a:p>
             <a:r>
               <a:rPr lang="es-ES" sz="2200" dirty="0"/>
-              <a:t>En esta gráfica podemos ver a los 6 mejores atletas de cada sexo en la categoría open. Si lo analizamos, podemos ver que las personas con más </a:t>
-            </a:r>
-            <a:r>
-              <a:rPr lang="es-ES" sz="2200" dirty="0" err="1"/>
-              <a:t>Goodlifts</a:t>
-            </a:r>
-            <a:r>
-              <a:rPr lang="es-ES" sz="2200" dirty="0"/>
-              <a:t>, no tienen que destacar en todos los movimientos.</a:t>
+              <a:t>En esta gráfica podemos ver a los 6 mejores atletas de cada sexo en la categoría open. Si lo analizamos, podemos ver que las personas con más goodlifts no tienen que destacar en todos los movimientos.</a:t>
             </a:r>
           </a:p>
         </p:txBody>
@@ -7966,7 +7941,9 @@
         </p:nvSpPr>
         <p:spPr/>
         <p:txBody>
-          <a:bodyPr/>
+          <a:bodyPr>
+            <a:normAutofit fontScale="92500"/>
+          </a:bodyPr>
           <a:lstStyle/>
           <a:p>
             <a:pPr marL="0" indent="0">
@@ -7981,10 +7958,7 @@
             <a:pPr marL="0" indent="0">
               <a:buNone/>
             </a:pPr>
-            <a:r>
-              <a:rPr lang="es-ES" sz="2200" dirty="0"/>
-              <a:t>Hay una mejora visible con el paso de los años de los atletas, sobre todo los últimos tres años. Esto se debe al conocimiento del deporte y nuevos competidores jóvenes competitivos.</a:t>
-            </a:r>
+            <a:endParaRPr lang="es-ES" sz="2200" dirty="0"/>
           </a:p>
           <a:p>
             <a:pPr marL="0" indent="0">
@@ -7992,24 +7966,43 @@
             </a:pPr>
             <a:r>
               <a:rPr lang="es-ES" sz="2200" dirty="0"/>
-              <a:t>A medida que pasan los años, los jóvenes destacan más en sus marcas.  En relación al peso corporal, hay personas más fuertes en las marcas que personas que levantan mucho peso.</a:t>
+              <a:t>Hay una mejora visible con el paso de los años de los atletas, sobre todo los últimos tres años. Esto se debe al conocimiento del deporte y nuevos competidores jóvenes competitivos.</a:t>
             </a:r>
           </a:p>
           <a:p>
             <a:pPr marL="0" indent="0">
               <a:buNone/>
             </a:pPr>
+            <a:endParaRPr lang="es-ES" sz="2200" dirty="0"/>
+          </a:p>
+          <a:p>
+            <a:pPr marL="0" indent="0">
+              <a:buNone/>
+            </a:pPr>
             <a:r>
               <a:rPr lang="es-ES" sz="2200" dirty="0"/>
-              <a:t>También, aunque los campeones tengan más puntuación en </a:t>
-            </a:r>
-            <a:r>
-              <a:rPr lang="es-ES" sz="2200" dirty="0" err="1"/>
-              <a:t>goodlifts</a:t>
-            </a:r>
+              <a:t>A medida que pasan los años, los jóvenes destacan más en sus marcas.  En relación al peso corporal, hay personas más fuertes en las marcas que personas que levantan mucho peso.</a:t>
+            </a:r>
+          </a:p>
+          <a:p>
+            <a:pPr marL="0" indent="0">
+              <a:buNone/>
+            </a:pPr>
+            <a:endParaRPr lang="es-ES" sz="2200" dirty="0"/>
+          </a:p>
+          <a:p>
+            <a:pPr marL="0" indent="0">
+              <a:buNone/>
+            </a:pPr>
+            <a:endParaRPr lang="es-ES" sz="2200" dirty="0"/>
+          </a:p>
+          <a:p>
+            <a:pPr marL="0" indent="0">
+              <a:buNone/>
+            </a:pPr>
             <a:r>
               <a:rPr lang="es-ES" sz="2200" dirty="0"/>
-              <a:t>, no son los más fuertes en todas las marcas, hay bastante competitividad en los levantamientos.</a:t>
+              <a:t>También, aunque los campeones tengan más puntuación en goodlifts, no son los más fuertes en todas las marcas, hay bastante competitividad en los levantamientos.</a:t>
             </a:r>
             <a:endParaRPr lang="es-ES" dirty="0"/>
           </a:p>
